--- a/我還不射爆-00757036+00757046.pptx
+++ b/我還不射爆-00757036+00757046.pptx
@@ -5,7 +5,7 @@
     <p:sldMasterId id="2147483648" r:id="rId1"/>
   </p:sldMasterIdLst>
   <p:notesMasterIdLst>
-    <p:notesMasterId r:id="rId10"/>
+    <p:notesMasterId r:id="rId11"/>
   </p:notesMasterIdLst>
   <p:sldIdLst>
     <p:sldId id="256" r:id="rId2"/>
@@ -13,9 +13,10 @@
     <p:sldId id="264" r:id="rId4"/>
     <p:sldId id="258" r:id="rId5"/>
     <p:sldId id="260" r:id="rId6"/>
-    <p:sldId id="261" r:id="rId7"/>
-    <p:sldId id="263" r:id="rId8"/>
-    <p:sldId id="262" r:id="rId9"/>
+    <p:sldId id="265" r:id="rId7"/>
+    <p:sldId id="261" r:id="rId8"/>
+    <p:sldId id="263" r:id="rId9"/>
+    <p:sldId id="262" r:id="rId10"/>
   </p:sldIdLst>
   <p:sldSz cx="12192000" cy="6858000"/>
   <p:notesSz cx="6858000" cy="9144000"/>
@@ -125,9 +126,661 @@
 <file path=ppt/revisionInfo.xml><?xml version="1.0" encoding="utf-8"?>
 <p1510:revInfo xmlns:a="http://schemas.openxmlformats.org/drawingml/2006/main" xmlns:r="http://schemas.openxmlformats.org/officeDocument/2006/relationships" xmlns:p1510="http://schemas.microsoft.com/office/powerpoint/2015/10/main">
   <p1510:revLst>
+    <p1510:client id="{1499CF04-DD69-44FA-8631-13DBBC30BA28}" v="58" dt="2019-12-30T18:11:12.593"/>
+    <p1510:client id="{B0415DE9-831F-45C1-BA1F-200275D23B01}" v="42" dt="2019-12-30T16:43:23.936"/>
     <p1510:client id="{FA66B29F-EB20-4C5F-82B9-7F7B55726E57}" v="1334" dt="2019-12-30T15:34:56.559"/>
   </p1510:revLst>
 </p1510:revInfo>
+</file>
+
+<file path=ppt/changesInfos/changesInfo1.xml><?xml version="1.0" encoding="utf-8"?>
+<pc:chgInfo xmlns:a="http://schemas.openxmlformats.org/drawingml/2006/main" xmlns:r="http://schemas.openxmlformats.org/officeDocument/2006/relationships" xmlns:ac="http://schemas.microsoft.com/office/drawing/2013/main/command" xmlns:pc="http://schemas.microsoft.com/office/powerpoint/2013/main/command">
+  <pc:docChgLst>
+    <pc:chgData name="翁 星宇" userId="d2ea8f9246060ed7" providerId="Windows Live" clId="Web-{1499CF04-DD69-44FA-8631-13DBBC30BA28}"/>
+    <pc:docChg chg="addSld modSld">
+      <pc:chgData name="翁 星宇" userId="d2ea8f9246060ed7" providerId="Windows Live" clId="Web-{1499CF04-DD69-44FA-8631-13DBBC30BA28}" dt="2019-12-30T18:11:12.530" v="53"/>
+      <pc:docMkLst>
+        <pc:docMk/>
+      </pc:docMkLst>
+      <pc:sldChg chg="addSp delSp modSp">
+        <pc:chgData name="翁 星宇" userId="d2ea8f9246060ed7" providerId="Windows Live" clId="Web-{1499CF04-DD69-44FA-8631-13DBBC30BA28}" dt="2019-12-30T18:09:38.233" v="15" actId="1076"/>
+        <pc:sldMkLst>
+          <pc:docMk/>
+          <pc:sldMk cId="2863046508" sldId="260"/>
+        </pc:sldMkLst>
+        <pc:spChg chg="mod">
+          <ac:chgData name="翁 星宇" userId="d2ea8f9246060ed7" providerId="Windows Live" clId="Web-{1499CF04-DD69-44FA-8631-13DBBC30BA28}" dt="2019-12-30T18:09:38.233" v="15" actId="1076"/>
+          <ac:spMkLst>
+            <pc:docMk/>
+            <pc:sldMk cId="2863046508" sldId="260"/>
+            <ac:spMk id="10" creationId="{E6CE5F19-6CB5-4A85-8268-AD8C2B544AAB}"/>
+          </ac:spMkLst>
+        </pc:spChg>
+        <pc:picChg chg="add del mod">
+          <ac:chgData name="翁 星宇" userId="d2ea8f9246060ed7" providerId="Windows Live" clId="Web-{1499CF04-DD69-44FA-8631-13DBBC30BA28}" dt="2019-12-30T18:09:23.467" v="8"/>
+          <ac:picMkLst>
+            <pc:docMk/>
+            <pc:sldMk cId="2863046508" sldId="260"/>
+            <ac:picMk id="3" creationId="{AAA94F61-0AB8-4983-AAE8-390E9E618A3D}"/>
+          </ac:picMkLst>
+        </pc:picChg>
+        <pc:picChg chg="mod">
+          <ac:chgData name="翁 星宇" userId="d2ea8f9246060ed7" providerId="Windows Live" clId="Web-{1499CF04-DD69-44FA-8631-13DBBC30BA28}" dt="2019-12-30T18:09:35.311" v="14" actId="1076"/>
+          <ac:picMkLst>
+            <pc:docMk/>
+            <pc:sldMk cId="2863046508" sldId="260"/>
+            <ac:picMk id="4" creationId="{04A11576-9FC8-4F48-9FA1-641303780158}"/>
+          </ac:picMkLst>
+        </pc:picChg>
+        <pc:picChg chg="add del mod">
+          <ac:chgData name="翁 星宇" userId="d2ea8f9246060ed7" providerId="Windows Live" clId="Web-{1499CF04-DD69-44FA-8631-13DBBC30BA28}" dt="2019-12-30T18:09:29.280" v="11"/>
+          <ac:picMkLst>
+            <pc:docMk/>
+            <pc:sldMk cId="2863046508" sldId="260"/>
+            <ac:picMk id="6" creationId="{275E340C-F709-4318-9ADC-BE1194F75367}"/>
+          </ac:picMkLst>
+        </pc:picChg>
+      </pc:sldChg>
+      <pc:sldChg chg="addSp delSp modSp new mod setBg">
+        <pc:chgData name="翁 星宇" userId="d2ea8f9246060ed7" providerId="Windows Live" clId="Web-{1499CF04-DD69-44FA-8631-13DBBC30BA28}" dt="2019-12-30T18:11:12.530" v="53"/>
+        <pc:sldMkLst>
+          <pc:docMk/>
+          <pc:sldMk cId="2026422394" sldId="265"/>
+        </pc:sldMkLst>
+        <pc:spChg chg="mod">
+          <ac:chgData name="翁 星宇" userId="d2ea8f9246060ed7" providerId="Windows Live" clId="Web-{1499CF04-DD69-44FA-8631-13DBBC30BA28}" dt="2019-12-30T18:11:12.530" v="53"/>
+          <ac:spMkLst>
+            <pc:docMk/>
+            <pc:sldMk cId="2026422394" sldId="265"/>
+            <ac:spMk id="2" creationId="{0EF255A9-C3F5-4F62-A13A-5737BAD39AC8}"/>
+          </ac:spMkLst>
+        </pc:spChg>
+        <pc:spChg chg="del">
+          <ac:chgData name="翁 星宇" userId="d2ea8f9246060ed7" providerId="Windows Live" clId="Web-{1499CF04-DD69-44FA-8631-13DBBC30BA28}" dt="2019-12-30T18:09:48.233" v="16"/>
+          <ac:spMkLst>
+            <pc:docMk/>
+            <pc:sldMk cId="2026422394" sldId="265"/>
+            <ac:spMk id="3" creationId="{F206463A-A811-4DFD-B47A-18DA7F2E7BCC}"/>
+          </ac:spMkLst>
+        </pc:spChg>
+        <pc:spChg chg="add del">
+          <ac:chgData name="翁 星宇" userId="d2ea8f9246060ed7" providerId="Windows Live" clId="Web-{1499CF04-DD69-44FA-8631-13DBBC30BA28}" dt="2019-12-30T18:11:12.530" v="53"/>
+          <ac:spMkLst>
+            <pc:docMk/>
+            <pc:sldMk cId="2026422394" sldId="265"/>
+            <ac:spMk id="10" creationId="{CF26B293-D028-40D8-B6DD-C1962FAC39C1}"/>
+          </ac:spMkLst>
+        </pc:spChg>
+        <pc:spChg chg="add del">
+          <ac:chgData name="翁 星宇" userId="d2ea8f9246060ed7" providerId="Windows Live" clId="Web-{1499CF04-DD69-44FA-8631-13DBBC30BA28}" dt="2019-12-30T18:11:12.530" v="53"/>
+          <ac:spMkLst>
+            <pc:docMk/>
+            <pc:sldMk cId="2026422394" sldId="265"/>
+            <ac:spMk id="13" creationId="{4038CB10-1F5C-4D54-9DF7-12586DE5B007}"/>
+          </ac:spMkLst>
+        </pc:spChg>
+        <pc:spChg chg="add del">
+          <ac:chgData name="翁 星宇" userId="d2ea8f9246060ed7" providerId="Windows Live" clId="Web-{1499CF04-DD69-44FA-8631-13DBBC30BA28}" dt="2019-12-30T18:11:12.530" v="53"/>
+          <ac:spMkLst>
+            <pc:docMk/>
+            <pc:sldMk cId="2026422394" sldId="265"/>
+            <ac:spMk id="15" creationId="{33B81349-3A7E-4A66-9ED9-66E6F8E29C4A}"/>
+          </ac:spMkLst>
+        </pc:spChg>
+        <pc:spChg chg="add del">
+          <ac:chgData name="翁 星宇" userId="d2ea8f9246060ed7" providerId="Windows Live" clId="Web-{1499CF04-DD69-44FA-8631-13DBBC30BA28}" dt="2019-12-30T18:11:12.530" v="53"/>
+          <ac:spMkLst>
+            <pc:docMk/>
+            <pc:sldMk cId="2026422394" sldId="265"/>
+            <ac:spMk id="17" creationId="{4A37A7FF-19A5-40D8-8D0C-E780CBD33087}"/>
+          </ac:spMkLst>
+        </pc:spChg>
+        <pc:spChg chg="add del">
+          <ac:chgData name="翁 星宇" userId="d2ea8f9246060ed7" providerId="Windows Live" clId="Web-{1499CF04-DD69-44FA-8631-13DBBC30BA28}" dt="2019-12-30T18:11:12.530" v="53"/>
+          <ac:spMkLst>
+            <pc:docMk/>
+            <pc:sldMk cId="2026422394" sldId="265"/>
+            <ac:spMk id="19" creationId="{73ED6512-6858-4552-B699-9A97FE9A4EA2}"/>
+          </ac:spMkLst>
+        </pc:spChg>
+        <pc:picChg chg="add mod ord">
+          <ac:chgData name="翁 星宇" userId="d2ea8f9246060ed7" providerId="Windows Live" clId="Web-{1499CF04-DD69-44FA-8631-13DBBC30BA28}" dt="2019-12-30T18:11:12.530" v="53"/>
+          <ac:picMkLst>
+            <pc:docMk/>
+            <pc:sldMk cId="2026422394" sldId="265"/>
+            <ac:picMk id="4" creationId="{B87F3264-556E-4843-A80C-DAC993C94D51}"/>
+          </ac:picMkLst>
+        </pc:picChg>
+        <pc:picChg chg="add mod">
+          <ac:chgData name="翁 星宇" userId="d2ea8f9246060ed7" providerId="Windows Live" clId="Web-{1499CF04-DD69-44FA-8631-13DBBC30BA28}" dt="2019-12-30T18:11:12.530" v="53"/>
+          <ac:picMkLst>
+            <pc:docMk/>
+            <pc:sldMk cId="2026422394" sldId="265"/>
+            <ac:picMk id="6" creationId="{E34214B1-8F14-4650-858A-A8B8F6783397}"/>
+          </ac:picMkLst>
+        </pc:picChg>
+      </pc:sldChg>
+    </pc:docChg>
+  </pc:docChgLst>
+  <pc:docChgLst>
+    <pc:chgData name="翁 星宇" userId="d2ea8f9246060ed7" providerId="Windows Live" clId="Web-{FA66B29F-EB20-4C5F-82B9-7F7B55726E57}"/>
+    <pc:docChg chg="addSld delSld modSld sldOrd">
+      <pc:chgData name="翁 星宇" userId="d2ea8f9246060ed7" providerId="Windows Live" clId="Web-{FA66B29F-EB20-4C5F-82B9-7F7B55726E57}" dt="2019-12-30T15:34:56.559" v="1325" actId="1076"/>
+      <pc:docMkLst>
+        <pc:docMk/>
+      </pc:docMkLst>
+      <pc:sldChg chg="addSp delSp modSp mod setBg modNotes">
+        <pc:chgData name="翁 星宇" userId="d2ea8f9246060ed7" providerId="Windows Live" clId="Web-{FA66B29F-EB20-4C5F-82B9-7F7B55726E57}" dt="2019-12-30T15:14:28.579" v="962" actId="1076"/>
+        <pc:sldMkLst>
+          <pc:docMk/>
+          <pc:sldMk cId="2592129946" sldId="256"/>
+        </pc:sldMkLst>
+        <pc:spChg chg="mod">
+          <ac:chgData name="翁 星宇" userId="d2ea8f9246060ed7" providerId="Windows Live" clId="Web-{FA66B29F-EB20-4C5F-82B9-7F7B55726E57}" dt="2019-12-30T15:13:38.189" v="955" actId="1076"/>
+          <ac:spMkLst>
+            <pc:docMk/>
+            <pc:sldMk cId="2592129946" sldId="256"/>
+            <ac:spMk id="2" creationId="{00000000-0000-0000-0000-000000000000}"/>
+          </ac:spMkLst>
+        </pc:spChg>
+        <pc:spChg chg="mod">
+          <ac:chgData name="翁 星宇" userId="d2ea8f9246060ed7" providerId="Windows Live" clId="Web-{FA66B29F-EB20-4C5F-82B9-7F7B55726E57}" dt="2019-12-30T15:13:36.267" v="954" actId="1076"/>
+          <ac:spMkLst>
+            <pc:docMk/>
+            <pc:sldMk cId="2592129946" sldId="256"/>
+            <ac:spMk id="3" creationId="{00000000-0000-0000-0000-000000000000}"/>
+          </ac:spMkLst>
+        </pc:spChg>
+        <pc:spChg chg="add">
+          <ac:chgData name="翁 星宇" userId="d2ea8f9246060ed7" providerId="Windows Live" clId="Web-{FA66B29F-EB20-4C5F-82B9-7F7B55726E57}" dt="2019-12-30T15:12:48.157" v="944"/>
+          <ac:spMkLst>
+            <pc:docMk/>
+            <pc:sldMk cId="2592129946" sldId="256"/>
+            <ac:spMk id="12" creationId="{0BC9EFE1-D8CB-4668-9980-DB108327A794}"/>
+          </ac:spMkLst>
+        </pc:spChg>
+        <pc:spChg chg="add">
+          <ac:chgData name="翁 星宇" userId="d2ea8f9246060ed7" providerId="Windows Live" clId="Web-{FA66B29F-EB20-4C5F-82B9-7F7B55726E57}" dt="2019-12-30T15:12:48.157" v="944"/>
+          <ac:spMkLst>
+            <pc:docMk/>
+            <pc:sldMk cId="2592129946" sldId="256"/>
+            <ac:spMk id="16" creationId="{77DA6D33-2D62-458C-BF5D-DBF612FD557E}"/>
+          </ac:spMkLst>
+        </pc:spChg>
+        <pc:graphicFrameChg chg="add del mod modGraphic">
+          <ac:chgData name="翁 星宇" userId="d2ea8f9246060ed7" providerId="Windows Live" clId="Web-{FA66B29F-EB20-4C5F-82B9-7F7B55726E57}" dt="2019-12-30T15:11:48.422" v="941"/>
+          <ac:graphicFrameMkLst>
+            <pc:docMk/>
+            <pc:sldMk cId="2592129946" sldId="256"/>
+            <ac:graphicFrameMk id="4" creationId="{59D062E6-61E5-4EA1-881E-824325F0EC16}"/>
+          </ac:graphicFrameMkLst>
+        </pc:graphicFrameChg>
+        <pc:graphicFrameChg chg="add mod modGraphic">
+          <ac:chgData name="翁 星宇" userId="d2ea8f9246060ed7" providerId="Windows Live" clId="Web-{FA66B29F-EB20-4C5F-82B9-7F7B55726E57}" dt="2019-12-30T15:14:28.579" v="962" actId="1076"/>
+          <ac:graphicFrameMkLst>
+            <pc:docMk/>
+            <pc:sldMk cId="2592129946" sldId="256"/>
+            <ac:graphicFrameMk id="9" creationId="{20069759-F541-466B-BA50-2B8AAD939A19}"/>
+          </ac:graphicFrameMkLst>
+        </pc:graphicFrameChg>
+        <pc:picChg chg="add del mod">
+          <ac:chgData name="翁 星宇" userId="d2ea8f9246060ed7" providerId="Windows Live" clId="Web-{FA66B29F-EB20-4C5F-82B9-7F7B55726E57}" dt="2019-12-30T15:08:05.781" v="915"/>
+          <ac:picMkLst>
+            <pc:docMk/>
+            <pc:sldMk cId="2592129946" sldId="256"/>
+            <ac:picMk id="5" creationId="{C67C6DD1-F87B-4670-9618-A355C5DB4D95}"/>
+          </ac:picMkLst>
+        </pc:picChg>
+        <pc:picChg chg="add mod">
+          <ac:chgData name="翁 星宇" userId="d2ea8f9246060ed7" providerId="Windows Live" clId="Web-{FA66B29F-EB20-4C5F-82B9-7F7B55726E57}" dt="2019-12-30T15:13:25.329" v="951" actId="1076"/>
+          <ac:picMkLst>
+            <pc:docMk/>
+            <pc:sldMk cId="2592129946" sldId="256"/>
+            <ac:picMk id="7" creationId="{833671DB-05CF-4B12-811E-C990DB17F970}"/>
+          </ac:picMkLst>
+        </pc:picChg>
+        <pc:picChg chg="add">
+          <ac:chgData name="翁 星宇" userId="d2ea8f9246060ed7" providerId="Windows Live" clId="Web-{FA66B29F-EB20-4C5F-82B9-7F7B55726E57}" dt="2019-12-30T15:12:48.157" v="944"/>
+          <ac:picMkLst>
+            <pc:docMk/>
+            <pc:sldMk cId="2592129946" sldId="256"/>
+            <ac:picMk id="14" creationId="{7CBAE1BD-B8E4-4029-8AA2-C77E4FED9864}"/>
+          </ac:picMkLst>
+        </pc:picChg>
+      </pc:sldChg>
+      <pc:sldChg chg="addSp delSp modSp new mod setBg">
+        <pc:chgData name="翁 星宇" userId="d2ea8f9246060ed7" providerId="Windows Live" clId="Web-{FA66B29F-EB20-4C5F-82B9-7F7B55726E57}" dt="2019-12-30T15:11:30.125" v="939" actId="20577"/>
+        <pc:sldMkLst>
+          <pc:docMk/>
+          <pc:sldMk cId="4242597553" sldId="257"/>
+        </pc:sldMkLst>
+        <pc:spChg chg="mod">
+          <ac:chgData name="翁 星宇" userId="d2ea8f9246060ed7" providerId="Windows Live" clId="Web-{FA66B29F-EB20-4C5F-82B9-7F7B55726E57}" dt="2019-12-30T14:39:38.714" v="827"/>
+          <ac:spMkLst>
+            <pc:docMk/>
+            <pc:sldMk cId="4242597553" sldId="257"/>
+            <ac:spMk id="2" creationId="{F21DA6F0-7342-4E5D-AED1-8A164716E5A9}"/>
+          </ac:spMkLst>
+        </pc:spChg>
+        <pc:spChg chg="del mod">
+          <ac:chgData name="翁 星宇" userId="d2ea8f9246060ed7" providerId="Windows Live" clId="Web-{FA66B29F-EB20-4C5F-82B9-7F7B55726E57}" dt="2019-12-30T14:39:38.714" v="827"/>
+          <ac:spMkLst>
+            <pc:docMk/>
+            <pc:sldMk cId="4242597553" sldId="257"/>
+            <ac:spMk id="3" creationId="{A1C3456C-63BD-4C6B-8CC6-1873948D3C5C}"/>
+          </ac:spMkLst>
+        </pc:spChg>
+        <pc:spChg chg="add">
+          <ac:chgData name="翁 星宇" userId="d2ea8f9246060ed7" providerId="Windows Live" clId="Web-{FA66B29F-EB20-4C5F-82B9-7F7B55726E57}" dt="2019-12-30T14:39:38.714" v="827"/>
+          <ac:spMkLst>
+            <pc:docMk/>
+            <pc:sldMk cId="4242597553" sldId="257"/>
+            <ac:spMk id="10" creationId="{46C2E80F-49A6-4372-B103-219D417A55ED}"/>
+          </ac:spMkLst>
+        </pc:spChg>
+        <pc:graphicFrameChg chg="add modGraphic">
+          <ac:chgData name="翁 星宇" userId="d2ea8f9246060ed7" providerId="Windows Live" clId="Web-{FA66B29F-EB20-4C5F-82B9-7F7B55726E57}" dt="2019-12-30T15:11:30.125" v="939" actId="20577"/>
+          <ac:graphicFrameMkLst>
+            <pc:docMk/>
+            <pc:sldMk cId="4242597553" sldId="257"/>
+            <ac:graphicFrameMk id="5" creationId="{F77FAEF6-A046-4D31-BFA2-50FA8BD4C34D}"/>
+          </ac:graphicFrameMkLst>
+        </pc:graphicFrameChg>
+      </pc:sldChg>
+      <pc:sldChg chg="addSp modSp new mod setBg setClrOvrMap">
+        <pc:chgData name="翁 星宇" userId="d2ea8f9246060ed7" providerId="Windows Live" clId="Web-{FA66B29F-EB20-4C5F-82B9-7F7B55726E57}" dt="2019-12-30T15:20:18.237" v="1114" actId="20577"/>
+        <pc:sldMkLst>
+          <pc:docMk/>
+          <pc:sldMk cId="2228997215" sldId="258"/>
+        </pc:sldMkLst>
+        <pc:spChg chg="mod">
+          <ac:chgData name="翁 星宇" userId="d2ea8f9246060ed7" providerId="Windows Live" clId="Web-{FA66B29F-EB20-4C5F-82B9-7F7B55726E57}" dt="2019-12-30T15:09:00.625" v="917"/>
+          <ac:spMkLst>
+            <pc:docMk/>
+            <pc:sldMk cId="2228997215" sldId="258"/>
+            <ac:spMk id="2" creationId="{2B897663-0A78-46EC-8154-517797D2507F}"/>
+          </ac:spMkLst>
+        </pc:spChg>
+        <pc:spChg chg="mod">
+          <ac:chgData name="翁 星宇" userId="d2ea8f9246060ed7" providerId="Windows Live" clId="Web-{FA66B29F-EB20-4C5F-82B9-7F7B55726E57}" dt="2019-12-30T15:20:18.237" v="1114" actId="20577"/>
+          <ac:spMkLst>
+            <pc:docMk/>
+            <pc:sldMk cId="2228997215" sldId="258"/>
+            <ac:spMk id="3" creationId="{931AE61A-0767-46B5-818B-98F207CFF2F4}"/>
+          </ac:spMkLst>
+        </pc:spChg>
+        <pc:spChg chg="add">
+          <ac:chgData name="翁 星宇" userId="d2ea8f9246060ed7" providerId="Windows Live" clId="Web-{FA66B29F-EB20-4C5F-82B9-7F7B55726E57}" dt="2019-12-30T15:09:00.625" v="917"/>
+          <ac:spMkLst>
+            <pc:docMk/>
+            <pc:sldMk cId="2228997215" sldId="258"/>
+            <ac:spMk id="9" creationId="{867D4867-5BA7-4462-B2F6-A23F4A622AA7}"/>
+          </ac:spMkLst>
+        </pc:spChg>
+        <pc:picChg chg="add mod">
+          <ac:chgData name="翁 星宇" userId="d2ea8f9246060ed7" providerId="Windows Live" clId="Web-{FA66B29F-EB20-4C5F-82B9-7F7B55726E57}" dt="2019-12-30T15:09:00.625" v="917"/>
+          <ac:picMkLst>
+            <pc:docMk/>
+            <pc:sldMk cId="2228997215" sldId="258"/>
+            <ac:picMk id="4" creationId="{DD06F253-E313-4107-976C-EF2289FA4FB3}"/>
+          </ac:picMkLst>
+        </pc:picChg>
+      </pc:sldChg>
+      <pc:sldChg chg="new del ord">
+        <pc:chgData name="翁 星宇" userId="d2ea8f9246060ed7" providerId="Windows Live" clId="Web-{FA66B29F-EB20-4C5F-82B9-7F7B55726E57}" dt="2019-12-30T15:34:19.932" v="1316"/>
+        <pc:sldMkLst>
+          <pc:docMk/>
+          <pc:sldMk cId="3303795469" sldId="259"/>
+        </pc:sldMkLst>
+      </pc:sldChg>
+      <pc:sldChg chg="addSp delSp modSp new mod setBg">
+        <pc:chgData name="翁 星宇" userId="d2ea8f9246060ed7" providerId="Windows Live" clId="Web-{FA66B29F-EB20-4C5F-82B9-7F7B55726E57}" dt="2019-12-30T15:17:11.627" v="1016" actId="1076"/>
+        <pc:sldMkLst>
+          <pc:docMk/>
+          <pc:sldMk cId="2863046508" sldId="260"/>
+        </pc:sldMkLst>
+        <pc:spChg chg="mod">
+          <ac:chgData name="翁 星宇" userId="d2ea8f9246060ed7" providerId="Windows Live" clId="Web-{FA66B29F-EB20-4C5F-82B9-7F7B55726E57}" dt="2019-12-30T15:16:51.862" v="1011"/>
+          <ac:spMkLst>
+            <pc:docMk/>
+            <pc:sldMk cId="2863046508" sldId="260"/>
+            <ac:spMk id="2" creationId="{ED2B04CC-B301-4F92-B802-07E8D3C8F829}"/>
+          </ac:spMkLst>
+        </pc:spChg>
+        <pc:spChg chg="del">
+          <ac:chgData name="翁 星宇" userId="d2ea8f9246060ed7" providerId="Windows Live" clId="Web-{FA66B29F-EB20-4C5F-82B9-7F7B55726E57}" dt="2019-12-30T15:02:32.826" v="828"/>
+          <ac:spMkLst>
+            <pc:docMk/>
+            <pc:sldMk cId="2863046508" sldId="260"/>
+            <ac:spMk id="3" creationId="{97D8849F-D419-4528-92E2-B87756CAF188}"/>
+          </ac:spMkLst>
+        </pc:spChg>
+        <pc:spChg chg="add del mod">
+          <ac:chgData name="翁 星宇" userId="d2ea8f9246060ed7" providerId="Windows Live" clId="Web-{FA66B29F-EB20-4C5F-82B9-7F7B55726E57}" dt="2019-12-30T15:15:47.720" v="996"/>
+          <ac:spMkLst>
+            <pc:docMk/>
+            <pc:sldMk cId="2863046508" sldId="260"/>
+            <ac:spMk id="6" creationId="{551634D0-6683-4CBE-A9FB-44844A7EB96F}"/>
+          </ac:spMkLst>
+        </pc:spChg>
+        <pc:spChg chg="add mod ord">
+          <ac:chgData name="翁 星宇" userId="d2ea8f9246060ed7" providerId="Windows Live" clId="Web-{FA66B29F-EB20-4C5F-82B9-7F7B55726E57}" dt="2019-12-30T15:17:08.768" v="1015" actId="1076"/>
+          <ac:spMkLst>
+            <pc:docMk/>
+            <pc:sldMk cId="2863046508" sldId="260"/>
+            <ac:spMk id="10" creationId="{E6CE5F19-6CB5-4A85-8268-AD8C2B544AAB}"/>
+          </ac:spMkLst>
+        </pc:spChg>
+        <pc:spChg chg="add del">
+          <ac:chgData name="翁 星宇" userId="d2ea8f9246060ed7" providerId="Windows Live" clId="Web-{FA66B29F-EB20-4C5F-82B9-7F7B55726E57}" dt="2019-12-30T15:16:51.862" v="1011"/>
+          <ac:spMkLst>
+            <pc:docMk/>
+            <pc:sldMk cId="2863046508" sldId="260"/>
+            <ac:spMk id="13" creationId="{823AC064-BC96-4F32-8AE1-B2FD38754823}"/>
+          </ac:spMkLst>
+        </pc:spChg>
+        <pc:spChg chg="add">
+          <ac:chgData name="翁 星宇" userId="d2ea8f9246060ed7" providerId="Windows Live" clId="Web-{FA66B29F-EB20-4C5F-82B9-7F7B55726E57}" dt="2019-12-30T15:16:51.862" v="1011"/>
+          <ac:spMkLst>
+            <pc:docMk/>
+            <pc:sldMk cId="2863046508" sldId="260"/>
+            <ac:spMk id="22" creationId="{42A5316D-ED2F-4F89-B4B4-8D9240B1A348}"/>
+          </ac:spMkLst>
+        </pc:spChg>
+        <pc:graphicFrameChg chg="add del mod">
+          <ac:chgData name="翁 星宇" userId="d2ea8f9246060ed7" providerId="Windows Live" clId="Web-{FA66B29F-EB20-4C5F-82B9-7F7B55726E57}" dt="2019-12-30T15:15:41.736" v="995"/>
+          <ac:graphicFrameMkLst>
+            <pc:docMk/>
+            <pc:sldMk cId="2863046508" sldId="260"/>
+            <ac:graphicFrameMk id="8" creationId="{CF0BABBF-DE20-453E-98C4-E00020548A15}"/>
+          </ac:graphicFrameMkLst>
+        </pc:graphicFrameChg>
+        <pc:picChg chg="add mod ord">
+          <ac:chgData name="翁 星宇" userId="d2ea8f9246060ed7" providerId="Windows Live" clId="Web-{FA66B29F-EB20-4C5F-82B9-7F7B55726E57}" dt="2019-12-30T15:17:11.627" v="1016" actId="1076"/>
+          <ac:picMkLst>
+            <pc:docMk/>
+            <pc:sldMk cId="2863046508" sldId="260"/>
+            <ac:picMk id="4" creationId="{04A11576-9FC8-4F48-9FA1-641303780158}"/>
+          </ac:picMkLst>
+        </pc:picChg>
+        <pc:cxnChg chg="add del">
+          <ac:chgData name="翁 星宇" userId="d2ea8f9246060ed7" providerId="Windows Live" clId="Web-{FA66B29F-EB20-4C5F-82B9-7F7B55726E57}" dt="2019-12-30T15:16:51.862" v="1011"/>
+          <ac:cxnSpMkLst>
+            <pc:docMk/>
+            <pc:sldMk cId="2863046508" sldId="260"/>
+            <ac:cxnSpMk id="15" creationId="{7E7C77BC-7138-40B1-A15B-20F57A494629}"/>
+          </ac:cxnSpMkLst>
+        </pc:cxnChg>
+        <pc:cxnChg chg="add del">
+          <ac:chgData name="翁 星宇" userId="d2ea8f9246060ed7" providerId="Windows Live" clId="Web-{FA66B29F-EB20-4C5F-82B9-7F7B55726E57}" dt="2019-12-30T15:16:51.862" v="1011"/>
+          <ac:cxnSpMkLst>
+            <pc:docMk/>
+            <pc:sldMk cId="2863046508" sldId="260"/>
+            <ac:cxnSpMk id="17" creationId="{DB146403-F3D6-484B-B2ED-97F9565D0370}"/>
+          </ac:cxnSpMkLst>
+        </pc:cxnChg>
+      </pc:sldChg>
+      <pc:sldChg chg="addSp delSp modSp new mod setBg">
+        <pc:chgData name="翁 星宇" userId="d2ea8f9246060ed7" providerId="Windows Live" clId="Web-{FA66B29F-EB20-4C5F-82B9-7F7B55726E57}" dt="2019-12-30T15:34:56.559" v="1325" actId="1076"/>
+        <pc:sldMkLst>
+          <pc:docMk/>
+          <pc:sldMk cId="3773261527" sldId="261"/>
+        </pc:sldMkLst>
+        <pc:spChg chg="mod">
+          <ac:chgData name="翁 星宇" userId="d2ea8f9246060ed7" providerId="Windows Live" clId="Web-{FA66B29F-EB20-4C5F-82B9-7F7B55726E57}" dt="2019-12-30T15:34:56.559" v="1325" actId="1076"/>
+          <ac:spMkLst>
+            <pc:docMk/>
+            <pc:sldMk cId="3773261527" sldId="261"/>
+            <ac:spMk id="2" creationId="{14FCD99A-90A3-4FC5-8949-53F2E58EFECF}"/>
+          </ac:spMkLst>
+        </pc:spChg>
+        <pc:spChg chg="add del mod">
+          <ac:chgData name="翁 星宇" userId="d2ea8f9246060ed7" providerId="Windows Live" clId="Web-{FA66B29F-EB20-4C5F-82B9-7F7B55726E57}" dt="2019-12-30T15:03:17.451" v="834"/>
+          <ac:spMkLst>
+            <pc:docMk/>
+            <pc:sldMk cId="3773261527" sldId="261"/>
+            <ac:spMk id="3" creationId="{536C0497-BC8C-401A-A694-2D8CEA111B3F}"/>
+          </ac:spMkLst>
+        </pc:spChg>
+        <pc:spChg chg="add">
+          <ac:chgData name="翁 星宇" userId="d2ea8f9246060ed7" providerId="Windows Live" clId="Web-{FA66B29F-EB20-4C5F-82B9-7F7B55726E57}" dt="2019-12-30T15:03:17.451" v="834"/>
+          <ac:spMkLst>
+            <pc:docMk/>
+            <pc:sldMk cId="3773261527" sldId="261"/>
+            <ac:spMk id="6" creationId="{42285737-90EE-47DC-AC80-8AE156B11969}"/>
+          </ac:spMkLst>
+        </pc:spChg>
+        <pc:spChg chg="add del">
+          <ac:chgData name="翁 星宇" userId="d2ea8f9246060ed7" providerId="Windows Live" clId="Web-{FA66B29F-EB20-4C5F-82B9-7F7B55726E57}" dt="2019-12-30T15:03:17.404" v="833"/>
+          <ac:spMkLst>
+            <pc:docMk/>
+            <pc:sldMk cId="3773261527" sldId="261"/>
+            <ac:spMk id="10" creationId="{42285737-90EE-47DC-AC80-8AE156B11969}"/>
+          </ac:spMkLst>
+        </pc:spChg>
+        <pc:grpChg chg="add">
+          <ac:chgData name="翁 星宇" userId="d2ea8f9246060ed7" providerId="Windows Live" clId="Web-{FA66B29F-EB20-4C5F-82B9-7F7B55726E57}" dt="2019-12-30T15:03:17.451" v="834"/>
+          <ac:grpSpMkLst>
+            <pc:docMk/>
+            <pc:sldMk cId="3773261527" sldId="261"/>
+            <ac:grpSpMk id="7" creationId="{B57BDC17-F1B3-455F-BBF1-680AA1F25C06}"/>
+          </ac:grpSpMkLst>
+        </pc:grpChg>
+        <pc:grpChg chg="add del">
+          <ac:chgData name="翁 星宇" userId="d2ea8f9246060ed7" providerId="Windows Live" clId="Web-{FA66B29F-EB20-4C5F-82B9-7F7B55726E57}" dt="2019-12-30T15:03:17.404" v="833"/>
+          <ac:grpSpMkLst>
+            <pc:docMk/>
+            <pc:sldMk cId="3773261527" sldId="261"/>
+            <ac:grpSpMk id="12" creationId="{B57BDC17-F1B3-455F-BBF1-680AA1F25C06}"/>
+          </ac:grpSpMkLst>
+        </pc:grpChg>
+        <pc:graphicFrameChg chg="add del">
+          <ac:chgData name="翁 星宇" userId="d2ea8f9246060ed7" providerId="Windows Live" clId="Web-{FA66B29F-EB20-4C5F-82B9-7F7B55726E57}" dt="2019-12-30T15:03:17.404" v="833"/>
+          <ac:graphicFrameMkLst>
+            <pc:docMk/>
+            <pc:sldMk cId="3773261527" sldId="261"/>
+            <ac:graphicFrameMk id="5" creationId="{63D707BF-3DB4-4C63-B453-D294CCA897EC}"/>
+          </ac:graphicFrameMkLst>
+        </pc:graphicFrameChg>
+        <pc:graphicFrameChg chg="add">
+          <ac:chgData name="翁 星宇" userId="d2ea8f9246060ed7" providerId="Windows Live" clId="Web-{FA66B29F-EB20-4C5F-82B9-7F7B55726E57}" dt="2019-12-30T15:03:17.451" v="834"/>
+          <ac:graphicFrameMkLst>
+            <pc:docMk/>
+            <pc:sldMk cId="3773261527" sldId="261"/>
+            <ac:graphicFrameMk id="8" creationId="{1EA24712-DC14-4E8F-A60D-FE35D6145056}"/>
+          </ac:graphicFrameMkLst>
+        </pc:graphicFrameChg>
+      </pc:sldChg>
+      <pc:sldChg chg="addSp delSp modSp new mod setBg modClrScheme setClrOvrMap chgLayout">
+        <pc:chgData name="翁 星宇" userId="d2ea8f9246060ed7" providerId="Windows Live" clId="Web-{FA66B29F-EB20-4C5F-82B9-7F7B55726E57}" dt="2019-12-30T15:27:37.804" v="1308"/>
+        <pc:sldMkLst>
+          <pc:docMk/>
+          <pc:sldMk cId="2448373498" sldId="262"/>
+        </pc:sldMkLst>
+        <pc:spChg chg="mod ord">
+          <ac:chgData name="翁 星宇" userId="d2ea8f9246060ed7" providerId="Windows Live" clId="Web-{FA66B29F-EB20-4C5F-82B9-7F7B55726E57}" dt="2019-12-30T15:27:37.804" v="1308"/>
+          <ac:spMkLst>
+            <pc:docMk/>
+            <pc:sldMk cId="2448373498" sldId="262"/>
+            <ac:spMk id="2" creationId="{E62F6D0B-0900-41D5-8413-8ADB5E902B4A}"/>
+          </ac:spMkLst>
+        </pc:spChg>
+        <pc:spChg chg="del">
+          <ac:chgData name="翁 星宇" userId="d2ea8f9246060ed7" providerId="Windows Live" clId="Web-{FA66B29F-EB20-4C5F-82B9-7F7B55726E57}" dt="2019-12-30T15:27:15.054" v="1263"/>
+          <ac:spMkLst>
+            <pc:docMk/>
+            <pc:sldMk cId="2448373498" sldId="262"/>
+            <ac:spMk id="3" creationId="{D97B39A8-D81A-411E-AB45-DA6BB4796301}"/>
+          </ac:spMkLst>
+        </pc:spChg>
+        <pc:spChg chg="add">
+          <ac:chgData name="翁 星宇" userId="d2ea8f9246060ed7" providerId="Windows Live" clId="Web-{FA66B29F-EB20-4C5F-82B9-7F7B55726E57}" dt="2019-12-30T15:27:37.804" v="1308"/>
+          <ac:spMkLst>
+            <pc:docMk/>
+            <pc:sldMk cId="2448373498" sldId="262"/>
+            <ac:spMk id="7" creationId="{2A8AA5BC-4F7A-4226-8F99-6D824B226A97}"/>
+          </ac:spMkLst>
+        </pc:spChg>
+        <pc:spChg chg="add">
+          <ac:chgData name="翁 星宇" userId="d2ea8f9246060ed7" providerId="Windows Live" clId="Web-{FA66B29F-EB20-4C5F-82B9-7F7B55726E57}" dt="2019-12-30T15:27:37.804" v="1308"/>
+          <ac:spMkLst>
+            <pc:docMk/>
+            <pc:sldMk cId="2448373498" sldId="262"/>
+            <ac:spMk id="9" creationId="{3E5445C6-DD42-4979-86FF-03730E8C6DB0}"/>
+          </ac:spMkLst>
+        </pc:spChg>
+        <pc:cxnChg chg="add">
+          <ac:chgData name="翁 星宇" userId="d2ea8f9246060ed7" providerId="Windows Live" clId="Web-{FA66B29F-EB20-4C5F-82B9-7F7B55726E57}" dt="2019-12-30T15:27:37.804" v="1308"/>
+          <ac:cxnSpMkLst>
+            <pc:docMk/>
+            <pc:sldMk cId="2448373498" sldId="262"/>
+            <ac:cxnSpMk id="11" creationId="{45000665-DFC7-417E-8FD7-516A0F15C975}"/>
+          </ac:cxnSpMkLst>
+        </pc:cxnChg>
+      </pc:sldChg>
+      <pc:sldChg chg="addSp delSp modSp new mod setBg">
+        <pc:chgData name="翁 星宇" userId="d2ea8f9246060ed7" providerId="Windows Live" clId="Web-{FA66B29F-EB20-4C5F-82B9-7F7B55726E57}" dt="2019-12-30T15:34:06.947" v="1315"/>
+        <pc:sldMkLst>
+          <pc:docMk/>
+          <pc:sldMk cId="867212807" sldId="263"/>
+        </pc:sldMkLst>
+        <pc:spChg chg="mod">
+          <ac:chgData name="翁 星宇" userId="d2ea8f9246060ed7" providerId="Windows Live" clId="Web-{FA66B29F-EB20-4C5F-82B9-7F7B55726E57}" dt="2019-12-30T15:34:06.947" v="1315"/>
+          <ac:spMkLst>
+            <pc:docMk/>
+            <pc:sldMk cId="867212807" sldId="263"/>
+            <ac:spMk id="2" creationId="{52A52C7C-EC76-4B08-B3E0-6168B03FD9B9}"/>
+          </ac:spMkLst>
+        </pc:spChg>
+        <pc:spChg chg="mod ord">
+          <ac:chgData name="翁 星宇" userId="d2ea8f9246060ed7" providerId="Windows Live" clId="Web-{FA66B29F-EB20-4C5F-82B9-7F7B55726E57}" dt="2019-12-30T15:34:06.947" v="1315"/>
+          <ac:spMkLst>
+            <pc:docMk/>
+            <pc:sldMk cId="867212807" sldId="263"/>
+            <ac:spMk id="3" creationId="{E9921FDF-0E0D-48CF-A536-D8D444B0F5D1}"/>
+          </ac:spMkLst>
+        </pc:spChg>
+        <pc:spChg chg="add del mod">
+          <ac:chgData name="翁 星宇" userId="d2ea8f9246060ed7" providerId="Windows Live" clId="Web-{FA66B29F-EB20-4C5F-82B9-7F7B55726E57}" dt="2019-12-30T15:32:03.634" v="1311"/>
+          <ac:spMkLst>
+            <pc:docMk/>
+            <pc:sldMk cId="867212807" sldId="263"/>
+            <ac:spMk id="4" creationId="{594727FF-3ABB-4D17-A192-14A1342EE98D}"/>
+          </ac:spMkLst>
+        </pc:spChg>
+        <pc:spChg chg="add">
+          <ac:chgData name="翁 星宇" userId="d2ea8f9246060ed7" providerId="Windows Live" clId="Web-{FA66B29F-EB20-4C5F-82B9-7F7B55726E57}" dt="2019-12-30T15:34:06.947" v="1315"/>
+          <ac:spMkLst>
+            <pc:docMk/>
+            <pc:sldMk cId="867212807" sldId="263"/>
+            <ac:spMk id="10" creationId="{4038CB10-1F5C-4D54-9DF7-12586DE5B007}"/>
+          </ac:spMkLst>
+        </pc:spChg>
+        <pc:spChg chg="add">
+          <ac:chgData name="翁 星宇" userId="d2ea8f9246060ed7" providerId="Windows Live" clId="Web-{FA66B29F-EB20-4C5F-82B9-7F7B55726E57}" dt="2019-12-30T15:34:06.947" v="1315"/>
+          <ac:spMkLst>
+            <pc:docMk/>
+            <pc:sldMk cId="867212807" sldId="263"/>
+            <ac:spMk id="12" creationId="{36D30126-6314-4A93-B27E-5C66CF781924}"/>
+          </ac:spMkLst>
+        </pc:spChg>
+        <pc:spChg chg="add">
+          <ac:chgData name="翁 星宇" userId="d2ea8f9246060ed7" providerId="Windows Live" clId="Web-{FA66B29F-EB20-4C5F-82B9-7F7B55726E57}" dt="2019-12-30T15:34:06.947" v="1315"/>
+          <ac:spMkLst>
+            <pc:docMk/>
+            <pc:sldMk cId="867212807" sldId="263"/>
+            <ac:spMk id="14" creationId="{73ED6512-6858-4552-B699-9A97FE9A4EA2}"/>
+          </ac:spMkLst>
+        </pc:spChg>
+        <pc:picChg chg="add mod">
+          <ac:chgData name="翁 星宇" userId="d2ea8f9246060ed7" providerId="Windows Live" clId="Web-{FA66B29F-EB20-4C5F-82B9-7F7B55726E57}" dt="2019-12-30T15:34:06.947" v="1315"/>
+          <ac:picMkLst>
+            <pc:docMk/>
+            <pc:sldMk cId="867212807" sldId="263"/>
+            <ac:picMk id="5" creationId="{69780988-4714-4E3C-A8A0-76A83647D35D}"/>
+          </ac:picMkLst>
+        </pc:picChg>
+      </pc:sldChg>
+      <pc:sldChg chg="addSp delSp modSp new mod setBg">
+        <pc:chgData name="翁 星宇" userId="d2ea8f9246060ed7" providerId="Windows Live" clId="Web-{FA66B29F-EB20-4C5F-82B9-7F7B55726E57}" dt="2019-12-30T15:10:38.485" v="930" actId="20577"/>
+        <pc:sldMkLst>
+          <pc:docMk/>
+          <pc:sldMk cId="3788669415" sldId="264"/>
+        </pc:sldMkLst>
+        <pc:spChg chg="mod">
+          <ac:chgData name="翁 星宇" userId="d2ea8f9246060ed7" providerId="Windows Live" clId="Web-{FA66B29F-EB20-4C5F-82B9-7F7B55726E57}" dt="2019-12-30T14:39:35.338" v="824" actId="20577"/>
+          <ac:spMkLst>
+            <pc:docMk/>
+            <pc:sldMk cId="3788669415" sldId="264"/>
+            <ac:spMk id="2" creationId="{082621DC-8985-4E59-A2E9-2633FAF038BD}"/>
+          </ac:spMkLst>
+        </pc:spChg>
+        <pc:spChg chg="del mod">
+          <ac:chgData name="翁 星宇" userId="d2ea8f9246060ed7" providerId="Windows Live" clId="Web-{FA66B29F-EB20-4C5F-82B9-7F7B55726E57}" dt="2019-12-30T14:39:25.307" v="817"/>
+          <ac:spMkLst>
+            <pc:docMk/>
+            <pc:sldMk cId="3788669415" sldId="264"/>
+            <ac:spMk id="3" creationId="{DAFC76E7-CA47-49EC-85EA-80CBA267707A}"/>
+          </ac:spMkLst>
+        </pc:spChg>
+        <pc:spChg chg="add">
+          <ac:chgData name="翁 星宇" userId="d2ea8f9246060ed7" providerId="Windows Live" clId="Web-{FA66B29F-EB20-4C5F-82B9-7F7B55726E57}" dt="2019-12-30T14:39:25.307" v="817"/>
+          <ac:spMkLst>
+            <pc:docMk/>
+            <pc:sldMk cId="3788669415" sldId="264"/>
+            <ac:spMk id="10" creationId="{46C2E80F-49A6-4372-B103-219D417A55ED}"/>
+          </ac:spMkLst>
+        </pc:spChg>
+        <pc:graphicFrameChg chg="add modGraphic">
+          <ac:chgData name="翁 星宇" userId="d2ea8f9246060ed7" providerId="Windows Live" clId="Web-{FA66B29F-EB20-4C5F-82B9-7F7B55726E57}" dt="2019-12-30T15:10:38.485" v="930" actId="20577"/>
+          <ac:graphicFrameMkLst>
+            <pc:docMk/>
+            <pc:sldMk cId="3788669415" sldId="264"/>
+            <ac:graphicFrameMk id="5" creationId="{755C648E-E9B1-49A0-A9F6-9A5BFD104393}"/>
+          </ac:graphicFrameMkLst>
+        </pc:graphicFrameChg>
+      </pc:sldChg>
+    </pc:docChg>
+  </pc:docChgLst>
+  <pc:docChgLst>
+    <pc:chgData name="翁 星宇" userId="d2ea8f9246060ed7" providerId="Windows Live" clId="Web-{B0415DE9-831F-45C1-BA1F-200275D23B01}"/>
+    <pc:docChg chg="addSld delSld modSld sldOrd">
+      <pc:chgData name="翁 星宇" userId="d2ea8f9246060ed7" providerId="Windows Live" clId="Web-{B0415DE9-831F-45C1-BA1F-200275D23B01}" dt="2019-12-30T16:43:23.936" v="41"/>
+      <pc:docMkLst>
+        <pc:docMk/>
+      </pc:docMkLst>
+      <pc:sldChg chg="modSp add del replId">
+        <pc:chgData name="翁 星宇" userId="d2ea8f9246060ed7" providerId="Windows Live" clId="Web-{B0415DE9-831F-45C1-BA1F-200275D23B01}" dt="2019-12-30T16:43:23.936" v="41"/>
+        <pc:sldMkLst>
+          <pc:docMk/>
+          <pc:sldMk cId="2400608030" sldId="265"/>
+        </pc:sldMkLst>
+        <pc:graphicFrameChg chg="modGraphic">
+          <ac:chgData name="翁 星宇" userId="d2ea8f9246060ed7" providerId="Windows Live" clId="Web-{B0415DE9-831F-45C1-BA1F-200275D23B01}" dt="2019-12-30T16:29:40.312" v="40" actId="20577"/>
+          <ac:graphicFrameMkLst>
+            <pc:docMk/>
+            <pc:sldMk cId="2400608030" sldId="265"/>
+            <ac:graphicFrameMk id="5" creationId="{755C648E-E9B1-49A0-A9F6-9A5BFD104393}"/>
+          </ac:graphicFrameMkLst>
+        </pc:graphicFrameChg>
+      </pc:sldChg>
+      <pc:sldChg chg="new del ord">
+        <pc:chgData name="翁 星宇" userId="d2ea8f9246060ed7" providerId="Windows Live" clId="Web-{B0415DE9-831F-45C1-BA1F-200275D23B01}" dt="2019-12-30T16:28:13.951" v="3"/>
+        <pc:sldMkLst>
+          <pc:docMk/>
+          <pc:sldMk cId="3277636692" sldId="265"/>
+        </pc:sldMkLst>
+      </pc:sldChg>
+      <pc:sldChg chg="new del">
+        <pc:chgData name="翁 星宇" userId="d2ea8f9246060ed7" providerId="Windows Live" clId="Web-{B0415DE9-831F-45C1-BA1F-200275D23B01}" dt="2019-12-30T16:28:14.936" v="4"/>
+        <pc:sldMkLst>
+          <pc:docMk/>
+          <pc:sldMk cId="2151556330" sldId="266"/>
+        </pc:sldMkLst>
+      </pc:sldChg>
+    </pc:docChg>
+  </pc:docChgLst>
+</pc:chgInfo>
 </file>
 
 <file path=ppt/diagrams/colors1.xml><?xml version="1.0" encoding="utf-8"?>
@@ -16545,8 +17198,8 @@
         </p:blipFill>
         <p:spPr>
           <a:xfrm>
-            <a:off x="4038600" y="808732"/>
-            <a:ext cx="6552342" cy="3925227"/>
+            <a:off x="3739588" y="934125"/>
+            <a:ext cx="5867507" cy="3549050"/>
           </a:xfrm>
           <a:prstGeom prst="rect">
             <a:avLst/>
@@ -16571,8 +17224,8 @@
         </p:nvSpPr>
         <p:spPr>
           <a:xfrm>
-            <a:off x="4038600" y="5296765"/>
-            <a:ext cx="7188199" cy="808118"/>
+            <a:off x="4038600" y="5017043"/>
+            <a:ext cx="2481162" cy="808118"/>
           </a:xfrm>
         </p:spPr>
         <p:txBody>
@@ -16622,6 +17275,126 @@
 </file>
 
 <file path=ppt/slides/slide6.xml><?xml version="1.0" encoding="utf-8"?>
+<p:sld xmlns:a="http://schemas.openxmlformats.org/drawingml/2006/main" xmlns:r="http://schemas.openxmlformats.org/officeDocument/2006/relationships" xmlns:p="http://schemas.openxmlformats.org/presentationml/2006/main">
+  <p:cSld>
+    <p:spTree>
+      <p:nvGrpSpPr>
+        <p:cNvPr id="1" name=""/>
+        <p:cNvGrpSpPr/>
+        <p:nvPr/>
+      </p:nvGrpSpPr>
+      <p:grpSpPr>
+        <a:xfrm>
+          <a:off x="0" y="0"/>
+          <a:ext cx="0" cy="0"/>
+          <a:chOff x="0" y="0"/>
+          <a:chExt cx="0" cy="0"/>
+        </a:xfrm>
+      </p:grpSpPr>
+      <p:sp>
+        <p:nvSpPr>
+          <p:cNvPr id="2" name="標題 1">
+            <a:extLst>
+              <a:ext uri="{FF2B5EF4-FFF2-40B4-BE49-F238E27FC236}">
+                <a16:creationId xmlns:a16="http://schemas.microsoft.com/office/drawing/2014/main" id="{0EF255A9-C3F5-4F62-A13A-5737BAD39AC8}"/>
+              </a:ext>
+            </a:extLst>
+          </p:cNvPr>
+          <p:cNvSpPr>
+            <a:spLocks noGrp="1"/>
+          </p:cNvSpPr>
+          <p:nvPr>
+            <p:ph type="title"/>
+          </p:nvPr>
+        </p:nvSpPr>
+        <p:spPr/>
+        <p:txBody>
+          <a:bodyPr/>
+          <a:lstStyle/>
+          <a:p>
+            <a:r>
+              <a:rPr lang="zh-TW" altLang="en-US">
+                <a:ea typeface="新細明體"/>
+                <a:cs typeface="Calibri Light"/>
+              </a:rPr>
+              <a:t>遊戲架構圖(片段)</a:t>
+            </a:r>
+          </a:p>
+        </p:txBody>
+      </p:sp>
+      <p:pic>
+        <p:nvPicPr>
+          <p:cNvPr id="4" name="圖片 4" descr="一張含有 文字, 白板 的圖片&#10;&#10;描述是以非常高的可信度產生">
+            <a:extLst>
+              <a:ext uri="{FF2B5EF4-FFF2-40B4-BE49-F238E27FC236}">
+                <a16:creationId xmlns:a16="http://schemas.microsoft.com/office/drawing/2014/main" id="{B87F3264-556E-4843-A80C-DAC993C94D51}"/>
+              </a:ext>
+            </a:extLst>
+          </p:cNvPr>
+          <p:cNvPicPr>
+            <a:picLocks noGrp="1" noChangeAspect="1"/>
+          </p:cNvPicPr>
+          <p:nvPr>
+            <p:ph idx="1"/>
+          </p:nvPr>
+        </p:nvPicPr>
+        <p:blipFill>
+          <a:blip r:embed="rId2"/>
+          <a:stretch>
+            <a:fillRect/>
+          </a:stretch>
+        </p:blipFill>
+        <p:spPr>
+          <a:xfrm>
+            <a:off x="6894933" y="1063625"/>
+            <a:ext cx="3967629" cy="5286958"/>
+          </a:xfrm>
+        </p:spPr>
+      </p:pic>
+      <p:pic>
+        <p:nvPicPr>
+          <p:cNvPr id="6" name="圖片 6" descr="一張含有 螢幕擷取畫面 的圖片&#10;&#10;描述是以非常高的可信度產生">
+            <a:extLst>
+              <a:ext uri="{FF2B5EF4-FFF2-40B4-BE49-F238E27FC236}">
+                <a16:creationId xmlns:a16="http://schemas.microsoft.com/office/drawing/2014/main" id="{E34214B1-8F14-4650-858A-A8B8F6783397}"/>
+              </a:ext>
+            </a:extLst>
+          </p:cNvPr>
+          <p:cNvPicPr>
+            <a:picLocks noChangeAspect="1"/>
+          </p:cNvPicPr>
+          <p:nvPr/>
+        </p:nvPicPr>
+        <p:blipFill>
+          <a:blip r:embed="rId3"/>
+          <a:stretch>
+            <a:fillRect/>
+          </a:stretch>
+        </p:blipFill>
+        <p:spPr>
+          <a:xfrm>
+            <a:off x="2226101" y="1516283"/>
+            <a:ext cx="2830203" cy="5060065"/>
+          </a:xfrm>
+          <a:prstGeom prst="rect">
+            <a:avLst/>
+          </a:prstGeom>
+        </p:spPr>
+      </p:pic>
+    </p:spTree>
+    <p:extLst>
+      <p:ext uri="{BB962C8B-B14F-4D97-AF65-F5344CB8AC3E}">
+        <p14:creationId xmlns:p14="http://schemas.microsoft.com/office/powerpoint/2010/main" val="2026422394"/>
+      </p:ext>
+    </p:extLst>
+  </p:cSld>
+  <p:clrMapOvr>
+    <a:masterClrMapping/>
+  </p:clrMapOvr>
+</p:sld>
+</file>
+
+<file path=ppt/slides/slide7.xml><?xml version="1.0" encoding="utf-8"?>
 <p:sld xmlns:a="http://schemas.openxmlformats.org/drawingml/2006/main" xmlns:r="http://schemas.openxmlformats.org/officeDocument/2006/relationships" xmlns:p="http://schemas.openxmlformats.org/presentationml/2006/main">
   <p:cSld>
     <p:bg>
@@ -17350,7 +18123,7 @@
 </p:sld>
 </file>
 
-<file path=ppt/slides/slide7.xml><?xml version="1.0" encoding="utf-8"?>
+<file path=ppt/slides/slide8.xml><?xml version="1.0" encoding="utf-8"?>
 <p:sld xmlns:a="http://schemas.openxmlformats.org/drawingml/2006/main" xmlns:r="http://schemas.openxmlformats.org/officeDocument/2006/relationships" xmlns:p="http://schemas.openxmlformats.org/presentationml/2006/main">
   <p:cSld>
     <p:bg>
@@ -17769,7 +18542,7 @@
 </p:sld>
 </file>
 
-<file path=ppt/slides/slide8.xml><?xml version="1.0" encoding="utf-8"?>
+<file path=ppt/slides/slide9.xml><?xml version="1.0" encoding="utf-8"?>
 <p:sld xmlns:a="http://schemas.openxmlformats.org/drawingml/2006/main" xmlns:r="http://schemas.openxmlformats.org/officeDocument/2006/relationships" xmlns:p="http://schemas.openxmlformats.org/presentationml/2006/main">
   <p:cSld>
     <p:bg>
